--- a/中级/课件/Java11.pptx
+++ b/中级/课件/Java11.pptx
@@ -389,7 +389,7 @@
     </p:spTree>
     <p:extLst>
       <p:ext uri="{BB962C8B-B14F-4D97-AF65-F5344CB8AC3E}">
-        <p14:creationId xmlns:p14="http://schemas.microsoft.com/office/powerpoint/2010/main" xmlns="" val="3422343151"/>
+        <p14:creationId xmlns:p14="http://schemas.microsoft.com/office/powerpoint/2010/main" val="3422343151"/>
       </p:ext>
     </p:extLst>
   </p:cSld>
@@ -2873,7 +2873,7 @@
               <a:t>&amp;</a:t>
             </a:r>
             <a:r>
-              <a:rPr lang="en-US" altLang="zh-CN" smtClean="0"/>
+              <a:rPr lang="en-US" altLang="zh-CN" dirty="0" err="1" smtClean="0"/>
               <a:t>JUnit</a:t>
             </a:r>
             <a:endParaRPr lang="en-US" altLang="zh-CN" dirty="0" smtClean="0"/>
@@ -2881,18 +2881,7 @@
           <a:p>
             <a:r>
               <a:rPr lang="zh-CN" altLang="en-US" dirty="0" smtClean="0"/>
-              <a:t>多</a:t>
-            </a:r>
-            <a:r>
-              <a:rPr lang="zh-CN" altLang="en-US" dirty="0" smtClean="0"/>
-              <a:t>线程</a:t>
-            </a:r>
-            <a:endParaRPr lang="en-US" altLang="zh-CN" dirty="0" smtClean="0"/>
-          </a:p>
-          <a:p>
-            <a:r>
-              <a:rPr lang="zh-CN" altLang="en-US" dirty="0" smtClean="0"/>
-              <a:t>网络</a:t>
+              <a:t>多线程</a:t>
             </a:r>
             <a:endParaRPr lang="en-US" altLang="zh-CN" dirty="0" smtClean="0"/>
           </a:p>
